--- a/user guide.pptx
+++ b/user guide.pptx
@@ -271,7 +271,7 @@
           <a:p>
             <a:fld id="{E1E11D2C-92B7-4AF0-B472-C6565EBBC2B8}" type="datetimeFigureOut">
               <a:rPr lang="zh-CN" altLang="en-US" smtClean="0"/>
-              <a:t>2020/6/3</a:t>
+              <a:t>2020/6/4</a:t>
             </a:fld>
             <a:endParaRPr lang="zh-CN" altLang="en-US"/>
           </a:p>
@@ -469,7 +469,7 @@
           <a:p>
             <a:fld id="{E1E11D2C-92B7-4AF0-B472-C6565EBBC2B8}" type="datetimeFigureOut">
               <a:rPr lang="zh-CN" altLang="en-US" smtClean="0"/>
-              <a:t>2020/6/3</a:t>
+              <a:t>2020/6/4</a:t>
             </a:fld>
             <a:endParaRPr lang="zh-CN" altLang="en-US"/>
           </a:p>
@@ -677,7 +677,7 @@
           <a:p>
             <a:fld id="{E1E11D2C-92B7-4AF0-B472-C6565EBBC2B8}" type="datetimeFigureOut">
               <a:rPr lang="zh-CN" altLang="en-US" smtClean="0"/>
-              <a:t>2020/6/3</a:t>
+              <a:t>2020/6/4</a:t>
             </a:fld>
             <a:endParaRPr lang="zh-CN" altLang="en-US"/>
           </a:p>
@@ -875,7 +875,7 @@
           <a:p>
             <a:fld id="{E1E11D2C-92B7-4AF0-B472-C6565EBBC2B8}" type="datetimeFigureOut">
               <a:rPr lang="zh-CN" altLang="en-US" smtClean="0"/>
-              <a:t>2020/6/3</a:t>
+              <a:t>2020/6/4</a:t>
             </a:fld>
             <a:endParaRPr lang="zh-CN" altLang="en-US"/>
           </a:p>
@@ -1150,7 +1150,7 @@
           <a:p>
             <a:fld id="{E1E11D2C-92B7-4AF0-B472-C6565EBBC2B8}" type="datetimeFigureOut">
               <a:rPr lang="zh-CN" altLang="en-US" smtClean="0"/>
-              <a:t>2020/6/3</a:t>
+              <a:t>2020/6/4</a:t>
             </a:fld>
             <a:endParaRPr lang="zh-CN" altLang="en-US"/>
           </a:p>
@@ -1415,7 +1415,7 @@
           <a:p>
             <a:fld id="{E1E11D2C-92B7-4AF0-B472-C6565EBBC2B8}" type="datetimeFigureOut">
               <a:rPr lang="zh-CN" altLang="en-US" smtClean="0"/>
-              <a:t>2020/6/3</a:t>
+              <a:t>2020/6/4</a:t>
             </a:fld>
             <a:endParaRPr lang="zh-CN" altLang="en-US"/>
           </a:p>
@@ -1827,7 +1827,7 @@
           <a:p>
             <a:fld id="{E1E11D2C-92B7-4AF0-B472-C6565EBBC2B8}" type="datetimeFigureOut">
               <a:rPr lang="zh-CN" altLang="en-US" smtClean="0"/>
-              <a:t>2020/6/3</a:t>
+              <a:t>2020/6/4</a:t>
             </a:fld>
             <a:endParaRPr lang="zh-CN" altLang="en-US"/>
           </a:p>
@@ -1968,7 +1968,7 @@
           <a:p>
             <a:fld id="{E1E11D2C-92B7-4AF0-B472-C6565EBBC2B8}" type="datetimeFigureOut">
               <a:rPr lang="zh-CN" altLang="en-US" smtClean="0"/>
-              <a:t>2020/6/3</a:t>
+              <a:t>2020/6/4</a:t>
             </a:fld>
             <a:endParaRPr lang="zh-CN" altLang="en-US"/>
           </a:p>
@@ -2081,7 +2081,7 @@
           <a:p>
             <a:fld id="{E1E11D2C-92B7-4AF0-B472-C6565EBBC2B8}" type="datetimeFigureOut">
               <a:rPr lang="zh-CN" altLang="en-US" smtClean="0"/>
-              <a:t>2020/6/3</a:t>
+              <a:t>2020/6/4</a:t>
             </a:fld>
             <a:endParaRPr lang="zh-CN" altLang="en-US"/>
           </a:p>
@@ -2392,7 +2392,7 @@
           <a:p>
             <a:fld id="{E1E11D2C-92B7-4AF0-B472-C6565EBBC2B8}" type="datetimeFigureOut">
               <a:rPr lang="zh-CN" altLang="en-US" smtClean="0"/>
-              <a:t>2020/6/3</a:t>
+              <a:t>2020/6/4</a:t>
             </a:fld>
             <a:endParaRPr lang="zh-CN" altLang="en-US"/>
           </a:p>
@@ -2680,7 +2680,7 @@
           <a:p>
             <a:fld id="{E1E11D2C-92B7-4AF0-B472-C6565EBBC2B8}" type="datetimeFigureOut">
               <a:rPr lang="zh-CN" altLang="en-US" smtClean="0"/>
-              <a:t>2020/6/3</a:t>
+              <a:t>2020/6/4</a:t>
             </a:fld>
             <a:endParaRPr lang="zh-CN" altLang="en-US"/>
           </a:p>
@@ -2921,7 +2921,7 @@
           <a:p>
             <a:fld id="{E1E11D2C-92B7-4AF0-B472-C6565EBBC2B8}" type="datetimeFigureOut">
               <a:rPr lang="zh-CN" altLang="en-US" smtClean="0"/>
-              <a:t>2020/6/3</a:t>
+              <a:t>2020/6/4</a:t>
             </a:fld>
             <a:endParaRPr lang="zh-CN" altLang="en-US"/>
           </a:p>
@@ -4874,10 +4874,10 @@
       </p:sp>
       <p:pic>
         <p:nvPicPr>
-          <p:cNvPr id="6" name="图片 5">
-            <a:extLst>
-              <a:ext uri="{FF2B5EF4-FFF2-40B4-BE49-F238E27FC236}">
-                <a16:creationId xmlns:a16="http://schemas.microsoft.com/office/drawing/2014/main" id="{51F22EA9-1C1F-4CC9-87A8-3D000938AF4E}"/>
+          <p:cNvPr id="3" name="图片 2">
+            <a:extLst>
+              <a:ext uri="{FF2B5EF4-FFF2-40B4-BE49-F238E27FC236}">
+                <a16:creationId xmlns:a16="http://schemas.microsoft.com/office/drawing/2014/main" id="{15DEA8B7-A720-44DD-BD57-03747D3D65A8}"/>
               </a:ext>
             </a:extLst>
           </p:cNvPr>
@@ -4894,8 +4894,8 @@
         </p:blipFill>
         <p:spPr>
           <a:xfrm>
-            <a:off x="2470661" y="4081279"/>
-            <a:ext cx="6675179" cy="1514178"/>
+            <a:off x="1852341" y="3710580"/>
+            <a:ext cx="8487317" cy="1925238"/>
           </a:xfrm>
           <a:prstGeom prst="rect">
             <a:avLst/>
@@ -5427,7 +5427,7 @@
         <p:spPr>
           <a:xfrm>
             <a:off x="2183416" y="3897125"/>
-            <a:ext cx="7453234" cy="2761926"/>
+            <a:ext cx="6809582" cy="2523410"/>
           </a:xfrm>
           <a:prstGeom prst="rect">
             <a:avLst/>
@@ -5436,10 +5436,10 @@
       </p:pic>
       <p:pic>
         <p:nvPicPr>
-          <p:cNvPr id="3" name="图片 2">
-            <a:extLst>
-              <a:ext uri="{FF2B5EF4-FFF2-40B4-BE49-F238E27FC236}">
-                <a16:creationId xmlns:a16="http://schemas.microsoft.com/office/drawing/2014/main" id="{763E29D9-4C6B-414C-9E4A-FDD93A20A0DF}"/>
+          <p:cNvPr id="6" name="图片 5">
+            <a:extLst>
+              <a:ext uri="{FF2B5EF4-FFF2-40B4-BE49-F238E27FC236}">
+                <a16:creationId xmlns:a16="http://schemas.microsoft.com/office/drawing/2014/main" id="{1C27E478-2A3D-4514-A83B-02AA65655562}"/>
               </a:ext>
             </a:extLst>
           </p:cNvPr>
@@ -5450,13 +5450,13 @@
         </p:nvPicPr>
         <p:blipFill rotWithShape="1">
           <a:blip r:embed="rId3"/>
-          <a:srcRect l="14585" t="24709" r="13991" b="28563"/>
+          <a:srcRect l="22569" t="34741" r="26514" b="28684"/>
           <a:stretch/>
         </p:blipFill>
         <p:spPr>
           <a:xfrm>
             <a:off x="2183416" y="968742"/>
-            <a:ext cx="7453234" cy="2742841"/>
+            <a:ext cx="6809582" cy="2751440"/>
           </a:xfrm>
           <a:prstGeom prst="rect">
             <a:avLst/>
@@ -5477,7 +5477,7 @@
         </p:nvSpPr>
         <p:spPr>
           <a:xfrm>
-            <a:off x="5410899" y="2122415"/>
+            <a:off x="5905849" y="2247989"/>
             <a:ext cx="1577130" cy="192946"/>
           </a:xfrm>
           <a:prstGeom prst="rect">

--- a/user guide.pptx
+++ b/user guide.pptx
@@ -17,7 +17,8 @@
     <p:sldId id="260" r:id="rId11"/>
     <p:sldId id="261" r:id="rId12"/>
     <p:sldId id="262" r:id="rId13"/>
-    <p:sldId id="268" r:id="rId14"/>
+    <p:sldId id="269" r:id="rId14"/>
+    <p:sldId id="268" r:id="rId15"/>
   </p:sldIdLst>
   <p:sldSz cx="12192000" cy="6858000"/>
   <p:notesSz cx="6858000" cy="9144000"/>
@@ -271,7 +272,7 @@
           <a:p>
             <a:fld id="{E1E11D2C-92B7-4AF0-B472-C6565EBBC2B8}" type="datetimeFigureOut">
               <a:rPr lang="zh-CN" altLang="en-US" smtClean="0"/>
-              <a:t>2020/6/4</a:t>
+              <a:t>2020/6/5</a:t>
             </a:fld>
             <a:endParaRPr lang="zh-CN" altLang="en-US"/>
           </a:p>
@@ -469,7 +470,7 @@
           <a:p>
             <a:fld id="{E1E11D2C-92B7-4AF0-B472-C6565EBBC2B8}" type="datetimeFigureOut">
               <a:rPr lang="zh-CN" altLang="en-US" smtClean="0"/>
-              <a:t>2020/6/4</a:t>
+              <a:t>2020/6/5</a:t>
             </a:fld>
             <a:endParaRPr lang="zh-CN" altLang="en-US"/>
           </a:p>
@@ -677,7 +678,7 @@
           <a:p>
             <a:fld id="{E1E11D2C-92B7-4AF0-B472-C6565EBBC2B8}" type="datetimeFigureOut">
               <a:rPr lang="zh-CN" altLang="en-US" smtClean="0"/>
-              <a:t>2020/6/4</a:t>
+              <a:t>2020/6/5</a:t>
             </a:fld>
             <a:endParaRPr lang="zh-CN" altLang="en-US"/>
           </a:p>
@@ -875,7 +876,7 @@
           <a:p>
             <a:fld id="{E1E11D2C-92B7-4AF0-B472-C6565EBBC2B8}" type="datetimeFigureOut">
               <a:rPr lang="zh-CN" altLang="en-US" smtClean="0"/>
-              <a:t>2020/6/4</a:t>
+              <a:t>2020/6/5</a:t>
             </a:fld>
             <a:endParaRPr lang="zh-CN" altLang="en-US"/>
           </a:p>
@@ -1150,7 +1151,7 @@
           <a:p>
             <a:fld id="{E1E11D2C-92B7-4AF0-B472-C6565EBBC2B8}" type="datetimeFigureOut">
               <a:rPr lang="zh-CN" altLang="en-US" smtClean="0"/>
-              <a:t>2020/6/4</a:t>
+              <a:t>2020/6/5</a:t>
             </a:fld>
             <a:endParaRPr lang="zh-CN" altLang="en-US"/>
           </a:p>
@@ -1415,7 +1416,7 @@
           <a:p>
             <a:fld id="{E1E11D2C-92B7-4AF0-B472-C6565EBBC2B8}" type="datetimeFigureOut">
               <a:rPr lang="zh-CN" altLang="en-US" smtClean="0"/>
-              <a:t>2020/6/4</a:t>
+              <a:t>2020/6/5</a:t>
             </a:fld>
             <a:endParaRPr lang="zh-CN" altLang="en-US"/>
           </a:p>
@@ -1827,7 +1828,7 @@
           <a:p>
             <a:fld id="{E1E11D2C-92B7-4AF0-B472-C6565EBBC2B8}" type="datetimeFigureOut">
               <a:rPr lang="zh-CN" altLang="en-US" smtClean="0"/>
-              <a:t>2020/6/4</a:t>
+              <a:t>2020/6/5</a:t>
             </a:fld>
             <a:endParaRPr lang="zh-CN" altLang="en-US"/>
           </a:p>
@@ -1968,7 +1969,7 @@
           <a:p>
             <a:fld id="{E1E11D2C-92B7-4AF0-B472-C6565EBBC2B8}" type="datetimeFigureOut">
               <a:rPr lang="zh-CN" altLang="en-US" smtClean="0"/>
-              <a:t>2020/6/4</a:t>
+              <a:t>2020/6/5</a:t>
             </a:fld>
             <a:endParaRPr lang="zh-CN" altLang="en-US"/>
           </a:p>
@@ -2081,7 +2082,7 @@
           <a:p>
             <a:fld id="{E1E11D2C-92B7-4AF0-B472-C6565EBBC2B8}" type="datetimeFigureOut">
               <a:rPr lang="zh-CN" altLang="en-US" smtClean="0"/>
-              <a:t>2020/6/4</a:t>
+              <a:t>2020/6/5</a:t>
             </a:fld>
             <a:endParaRPr lang="zh-CN" altLang="en-US"/>
           </a:p>
@@ -2392,7 +2393,7 @@
           <a:p>
             <a:fld id="{E1E11D2C-92B7-4AF0-B472-C6565EBBC2B8}" type="datetimeFigureOut">
               <a:rPr lang="zh-CN" altLang="en-US" smtClean="0"/>
-              <a:t>2020/6/4</a:t>
+              <a:t>2020/6/5</a:t>
             </a:fld>
             <a:endParaRPr lang="zh-CN" altLang="en-US"/>
           </a:p>
@@ -2680,7 +2681,7 @@
           <a:p>
             <a:fld id="{E1E11D2C-92B7-4AF0-B472-C6565EBBC2B8}" type="datetimeFigureOut">
               <a:rPr lang="zh-CN" altLang="en-US" smtClean="0"/>
-              <a:t>2020/6/4</a:t>
+              <a:t>2020/6/5</a:t>
             </a:fld>
             <a:endParaRPr lang="zh-CN" altLang="en-US"/>
           </a:p>
@@ -2921,7 +2922,7 @@
           <a:p>
             <a:fld id="{E1E11D2C-92B7-4AF0-B472-C6565EBBC2B8}" type="datetimeFigureOut">
               <a:rPr lang="zh-CN" altLang="en-US" smtClean="0"/>
-              <a:t>2020/6/4</a:t>
+              <a:t>2020/6/5</a:t>
             </a:fld>
             <a:endParaRPr lang="zh-CN" altLang="en-US"/>
           </a:p>
@@ -3942,6 +3943,358 @@
         </p:nvSpPr>
         <p:spPr>
           <a:xfrm>
+            <a:off x="226504" y="167779"/>
+            <a:ext cx="3095536" cy="461665"/>
+          </a:xfrm>
+          <a:prstGeom prst="rect">
+            <a:avLst/>
+          </a:prstGeom>
+          <a:noFill/>
+        </p:spPr>
+        <p:txBody>
+          <a:bodyPr wrap="square" rtlCol="0">
+            <a:spAutoFit/>
+          </a:bodyPr>
+          <a:lstStyle/>
+          <a:p>
+            <a:r>
+              <a:rPr lang="en-US" altLang="zh-CN" sz="2400" dirty="0" err="1">
+                <a:solidFill>
+                  <a:srgbClr val="00B0F0"/>
+                </a:solidFill>
+              </a:rPr>
+              <a:t>node_id</a:t>
+            </a:r>
+            <a:r>
+              <a:rPr lang="zh-CN" altLang="en-US" sz="2400" dirty="0">
+                <a:solidFill>
+                  <a:srgbClr val="00B0F0"/>
+                </a:solidFill>
+              </a:rPr>
+              <a:t>编号说明：</a:t>
+            </a:r>
+          </a:p>
+        </p:txBody>
+      </p:sp>
+      <p:sp>
+        <p:nvSpPr>
+          <p:cNvPr id="7" name="文本框 6">
+            <a:extLst>
+              <a:ext uri="{FF2B5EF4-FFF2-40B4-BE49-F238E27FC236}">
+                <a16:creationId xmlns:a16="http://schemas.microsoft.com/office/drawing/2014/main" id="{A802C095-41EF-40AB-B907-3240EDA24261}"/>
+              </a:ext>
+            </a:extLst>
+          </p:cNvPr>
+          <p:cNvSpPr txBox="1"/>
+          <p:nvPr/>
+        </p:nvSpPr>
+        <p:spPr>
+          <a:xfrm>
+            <a:off x="705374" y="1444304"/>
+            <a:ext cx="10781251" cy="2308324"/>
+          </a:xfrm>
+          <a:prstGeom prst="rect">
+            <a:avLst/>
+          </a:prstGeom>
+          <a:noFill/>
+        </p:spPr>
+        <p:txBody>
+          <a:bodyPr wrap="square" rtlCol="0">
+            <a:spAutoFit/>
+          </a:bodyPr>
+          <a:lstStyle/>
+          <a:p>
+            <a:r>
+              <a:rPr lang="zh-CN" altLang="en-US" dirty="0"/>
+              <a:t>对于</a:t>
+            </a:r>
+            <a:r>
+              <a:rPr lang="en-US" altLang="zh-CN" dirty="0" err="1"/>
+              <a:t>train_path</a:t>
+            </a:r>
+            <a:r>
+              <a:rPr lang="zh-CN" altLang="en-US" dirty="0"/>
+              <a:t>：格式为车站编号</a:t>
+            </a:r>
+            <a:r>
+              <a:rPr lang="en-US" altLang="zh-CN" dirty="0"/>
+              <a:t>+0+HHMM</a:t>
+            </a:r>
+            <a:r>
+              <a:rPr lang="zh-CN" altLang="en-US" dirty="0"/>
+              <a:t>，如</a:t>
+            </a:r>
+            <a:r>
+              <a:rPr lang="en-US" altLang="zh-CN" dirty="0"/>
+              <a:t>101000</a:t>
+            </a:r>
+            <a:r>
+              <a:rPr lang="zh-CN" altLang="en-US" dirty="0"/>
+              <a:t>表示车站</a:t>
+            </a:r>
+            <a:r>
+              <a:rPr lang="en-US" altLang="zh-CN" dirty="0"/>
+              <a:t>1</a:t>
+            </a:r>
+            <a:r>
+              <a:rPr lang="zh-CN" altLang="en-US" dirty="0"/>
+              <a:t>的</a:t>
+            </a:r>
+            <a:r>
+              <a:rPr lang="en-US" altLang="zh-CN" dirty="0"/>
+              <a:t>10:00</a:t>
+            </a:r>
+            <a:r>
+              <a:rPr lang="zh-CN" altLang="en-US" dirty="0"/>
+              <a:t>节点</a:t>
+            </a:r>
+            <a:endParaRPr lang="en-US" altLang="zh-CN" dirty="0"/>
+          </a:p>
+          <a:p>
+            <a:endParaRPr lang="en-US" altLang="zh-CN" dirty="0"/>
+          </a:p>
+          <a:p>
+            <a:r>
+              <a:rPr lang="zh-CN" altLang="en-US" dirty="0"/>
+              <a:t>对于</a:t>
+            </a:r>
+            <a:r>
+              <a:rPr lang="en-US" altLang="zh-CN" dirty="0" err="1"/>
+              <a:t>blocking_time</a:t>
+            </a:r>
+            <a:r>
+              <a:rPr lang="zh-CN" altLang="en-US" dirty="0"/>
+              <a:t>：格式为车站编号</a:t>
+            </a:r>
+            <a:r>
+              <a:rPr lang="en-US" altLang="zh-CN" dirty="0"/>
+              <a:t>+0+</a:t>
+            </a:r>
+            <a:r>
+              <a:rPr lang="zh-CN" altLang="en-US" dirty="0"/>
+              <a:t>方向编号</a:t>
+            </a:r>
+            <a:r>
+              <a:rPr lang="en-US" altLang="zh-CN" dirty="0"/>
+              <a:t>+0+HHMM</a:t>
+            </a:r>
+            <a:r>
+              <a:rPr lang="zh-CN" altLang="en-US" dirty="0"/>
+              <a:t>。由于运行图中</a:t>
+            </a:r>
+            <a:r>
+              <a:rPr lang="en-US" altLang="zh-CN" dirty="0"/>
+              <a:t>1</a:t>
+            </a:r>
+            <a:r>
+              <a:rPr lang="zh-CN" altLang="en-US" dirty="0"/>
+              <a:t>站位于最下方，以靠近</a:t>
+            </a:r>
+            <a:r>
+              <a:rPr lang="en-US" altLang="zh-CN" dirty="0"/>
+              <a:t>1</a:t>
+            </a:r>
+            <a:r>
+              <a:rPr lang="zh-CN" altLang="en-US" dirty="0"/>
+              <a:t>站为“下”，靠近终点站为“上”，则反向编号</a:t>
+            </a:r>
+            <a:r>
+              <a:rPr lang="en-US" altLang="zh-CN" dirty="0"/>
+              <a:t>1</a:t>
+            </a:r>
+            <a:r>
+              <a:rPr lang="zh-CN" altLang="en-US" dirty="0"/>
+              <a:t>表示下，方向编号</a:t>
+            </a:r>
+            <a:r>
+              <a:rPr lang="en-US" altLang="zh-CN" dirty="0"/>
+              <a:t>2</a:t>
+            </a:r>
+            <a:r>
+              <a:rPr lang="zh-CN" altLang="en-US" dirty="0"/>
+              <a:t>表示上。如</a:t>
+            </a:r>
+            <a:r>
+              <a:rPr lang="en-US" altLang="zh-CN" dirty="0" err="1"/>
+              <a:t>node_id</a:t>
+            </a:r>
+            <a:r>
+              <a:rPr lang="zh-CN" altLang="en-US" dirty="0"/>
+              <a:t> </a:t>
+            </a:r>
+            <a:r>
+              <a:rPr lang="en-US" altLang="zh-CN" dirty="0"/>
+              <a:t>10200855 </a:t>
+            </a:r>
+            <a:r>
+              <a:rPr lang="zh-CN" altLang="en-US" dirty="0"/>
+              <a:t>表示</a:t>
+            </a:r>
+            <a:r>
+              <a:rPr lang="en-US" altLang="zh-CN" dirty="0"/>
+              <a:t>1</a:t>
+            </a:r>
+            <a:r>
+              <a:rPr lang="zh-CN" altLang="en-US" dirty="0"/>
+              <a:t>站，靠近</a:t>
+            </a:r>
+            <a:r>
+              <a:rPr lang="en-US" altLang="zh-CN" dirty="0"/>
+              <a:t>2</a:t>
+            </a:r>
+            <a:r>
+              <a:rPr lang="zh-CN" altLang="en-US" dirty="0"/>
+              <a:t>站一侧的</a:t>
+            </a:r>
+            <a:r>
+              <a:rPr lang="en-US" altLang="zh-CN" dirty="0"/>
+              <a:t>8:55</a:t>
+            </a:r>
+            <a:r>
+              <a:rPr lang="zh-CN" altLang="en-US" dirty="0"/>
+              <a:t>节点</a:t>
+            </a:r>
+            <a:endParaRPr lang="en-US" altLang="zh-CN" dirty="0"/>
+          </a:p>
+          <a:p>
+            <a:endParaRPr lang="en-US" altLang="zh-CN" dirty="0"/>
+          </a:p>
+          <a:p>
+            <a:r>
+              <a:rPr lang="zh-CN" altLang="en-US" dirty="0"/>
+              <a:t>对于</a:t>
+            </a:r>
+            <a:r>
+              <a:rPr lang="en-US" altLang="zh-CN" dirty="0" err="1"/>
+              <a:t>train_conflicts</a:t>
+            </a:r>
+            <a:r>
+              <a:rPr lang="zh-CN" altLang="en-US" dirty="0"/>
+              <a:t>：与</a:t>
+            </a:r>
+            <a:r>
+              <a:rPr lang="en-US" altLang="zh-CN" dirty="0" err="1"/>
+              <a:t>blocking_time</a:t>
+            </a:r>
+            <a:r>
+              <a:rPr lang="zh-CN" altLang="en-US" dirty="0"/>
+              <a:t>类似，格式为车站编号</a:t>
+            </a:r>
+            <a:r>
+              <a:rPr lang="en-US" altLang="zh-CN" dirty="0"/>
+              <a:t>+0+</a:t>
+            </a:r>
+            <a:r>
+              <a:rPr lang="zh-CN" altLang="en-US" dirty="0"/>
+              <a:t>方向编号</a:t>
+            </a:r>
+            <a:r>
+              <a:rPr lang="en-US" altLang="zh-CN" dirty="0"/>
+              <a:t>+0+HHMM</a:t>
+            </a:r>
+            <a:r>
+              <a:rPr lang="zh-CN" altLang="en-US" dirty="0"/>
+              <a:t>，但方向编号</a:t>
+            </a:r>
+            <a:r>
+              <a:rPr lang="en-US" altLang="zh-CN" dirty="0"/>
+              <a:t>3</a:t>
+            </a:r>
+            <a:r>
+              <a:rPr lang="zh-CN" altLang="en-US" dirty="0"/>
+              <a:t>表示下，方向编号</a:t>
+            </a:r>
+            <a:r>
+              <a:rPr lang="en-US" altLang="zh-CN" dirty="0"/>
+              <a:t>4</a:t>
+            </a:r>
+            <a:r>
+              <a:rPr lang="zh-CN" altLang="en-US" dirty="0"/>
+              <a:t>表示上。例如</a:t>
+            </a:r>
+            <a:r>
+              <a:rPr lang="en-US" altLang="zh-CN" dirty="0" err="1"/>
+              <a:t>node_id</a:t>
+            </a:r>
+            <a:r>
+              <a:rPr lang="en-US" altLang="zh-CN" dirty="0"/>
+              <a:t> 30400918</a:t>
+            </a:r>
+            <a:r>
+              <a:rPr lang="zh-CN" altLang="en-US" dirty="0"/>
+              <a:t>表示</a:t>
+            </a:r>
+            <a:r>
+              <a:rPr lang="en-US" altLang="zh-CN" dirty="0"/>
+              <a:t>3</a:t>
+            </a:r>
+            <a:r>
+              <a:rPr lang="zh-CN" altLang="en-US" dirty="0"/>
+              <a:t>站，靠近</a:t>
+            </a:r>
+            <a:r>
+              <a:rPr lang="en-US" altLang="zh-CN" dirty="0"/>
+              <a:t>4</a:t>
+            </a:r>
+            <a:r>
+              <a:rPr lang="zh-CN" altLang="en-US" dirty="0"/>
+              <a:t>站一侧</a:t>
+            </a:r>
+            <a:r>
+              <a:rPr lang="en-US" altLang="zh-CN" dirty="0"/>
+              <a:t>9:18</a:t>
+            </a:r>
+            <a:r>
+              <a:rPr lang="zh-CN" altLang="en-US" dirty="0"/>
+              <a:t>节点。</a:t>
+            </a:r>
+          </a:p>
+        </p:txBody>
+      </p:sp>
+    </p:spTree>
+    <p:extLst>
+      <p:ext uri="{BB962C8B-B14F-4D97-AF65-F5344CB8AC3E}">
+        <p14:creationId xmlns:p14="http://schemas.microsoft.com/office/powerpoint/2010/main" val="40290179"/>
+      </p:ext>
+    </p:extLst>
+  </p:cSld>
+  <p:clrMapOvr>
+    <a:masterClrMapping/>
+  </p:clrMapOvr>
+</p:sld>
+</file>
+
+<file path=ppt/slides/slide14.xml><?xml version="1.0" encoding="utf-8"?>
+<p:sld xmlns:a="http://schemas.openxmlformats.org/drawingml/2006/main" xmlns:r="http://schemas.openxmlformats.org/officeDocument/2006/relationships" xmlns:p="http://schemas.openxmlformats.org/presentationml/2006/main">
+  <p:cSld>
+    <p:spTree>
+      <p:nvGrpSpPr>
+        <p:cNvPr id="1" name=""/>
+        <p:cNvGrpSpPr/>
+        <p:nvPr/>
+      </p:nvGrpSpPr>
+      <p:grpSpPr>
+        <a:xfrm>
+          <a:off x="0" y="0"/>
+          <a:ext cx="0" cy="0"/>
+          <a:chOff x="0" y="0"/>
+          <a:chExt cx="0" cy="0"/>
+        </a:xfrm>
+      </p:grpSpPr>
+      <p:sp>
+        <p:nvSpPr>
+          <p:cNvPr id="5" name="文本框 4">
+            <a:extLst>
+              <a:ext uri="{FF2B5EF4-FFF2-40B4-BE49-F238E27FC236}">
+                <a16:creationId xmlns:a16="http://schemas.microsoft.com/office/drawing/2014/main" id="{EFA73FCE-49D4-4D42-BEA9-ED25F3A8FCC9}"/>
+              </a:ext>
+            </a:extLst>
+          </p:cNvPr>
+          <p:cNvSpPr txBox="1"/>
+          <p:nvPr/>
+        </p:nvSpPr>
+        <p:spPr>
+          <a:xfrm>
             <a:off x="1452562" y="2280628"/>
             <a:ext cx="9286875" cy="1754326"/>
           </a:xfrm>

--- a/user guide.pptx
+++ b/user guide.pptx
@@ -272,7 +272,7 @@
           <a:p>
             <a:fld id="{E1E11D2C-92B7-4AF0-B472-C6565EBBC2B8}" type="datetimeFigureOut">
               <a:rPr lang="zh-CN" altLang="en-US" smtClean="0"/>
-              <a:t>2020/6/5</a:t>
+              <a:t>2020/6/10</a:t>
             </a:fld>
             <a:endParaRPr lang="zh-CN" altLang="en-US"/>
           </a:p>
@@ -470,7 +470,7 @@
           <a:p>
             <a:fld id="{E1E11D2C-92B7-4AF0-B472-C6565EBBC2B8}" type="datetimeFigureOut">
               <a:rPr lang="zh-CN" altLang="en-US" smtClean="0"/>
-              <a:t>2020/6/5</a:t>
+              <a:t>2020/6/10</a:t>
             </a:fld>
             <a:endParaRPr lang="zh-CN" altLang="en-US"/>
           </a:p>
@@ -678,7 +678,7 @@
           <a:p>
             <a:fld id="{E1E11D2C-92B7-4AF0-B472-C6565EBBC2B8}" type="datetimeFigureOut">
               <a:rPr lang="zh-CN" altLang="en-US" smtClean="0"/>
-              <a:t>2020/6/5</a:t>
+              <a:t>2020/6/10</a:t>
             </a:fld>
             <a:endParaRPr lang="zh-CN" altLang="en-US"/>
           </a:p>
@@ -876,7 +876,7 @@
           <a:p>
             <a:fld id="{E1E11D2C-92B7-4AF0-B472-C6565EBBC2B8}" type="datetimeFigureOut">
               <a:rPr lang="zh-CN" altLang="en-US" smtClean="0"/>
-              <a:t>2020/6/5</a:t>
+              <a:t>2020/6/10</a:t>
             </a:fld>
             <a:endParaRPr lang="zh-CN" altLang="en-US"/>
           </a:p>
@@ -1151,7 +1151,7 @@
           <a:p>
             <a:fld id="{E1E11D2C-92B7-4AF0-B472-C6565EBBC2B8}" type="datetimeFigureOut">
               <a:rPr lang="zh-CN" altLang="en-US" smtClean="0"/>
-              <a:t>2020/6/5</a:t>
+              <a:t>2020/6/10</a:t>
             </a:fld>
             <a:endParaRPr lang="zh-CN" altLang="en-US"/>
           </a:p>
@@ -1416,7 +1416,7 @@
           <a:p>
             <a:fld id="{E1E11D2C-92B7-4AF0-B472-C6565EBBC2B8}" type="datetimeFigureOut">
               <a:rPr lang="zh-CN" altLang="en-US" smtClean="0"/>
-              <a:t>2020/6/5</a:t>
+              <a:t>2020/6/10</a:t>
             </a:fld>
             <a:endParaRPr lang="zh-CN" altLang="en-US"/>
           </a:p>
@@ -1828,7 +1828,7 @@
           <a:p>
             <a:fld id="{E1E11D2C-92B7-4AF0-B472-C6565EBBC2B8}" type="datetimeFigureOut">
               <a:rPr lang="zh-CN" altLang="en-US" smtClean="0"/>
-              <a:t>2020/6/5</a:t>
+              <a:t>2020/6/10</a:t>
             </a:fld>
             <a:endParaRPr lang="zh-CN" altLang="en-US"/>
           </a:p>
@@ -1969,7 +1969,7 @@
           <a:p>
             <a:fld id="{E1E11D2C-92B7-4AF0-B472-C6565EBBC2B8}" type="datetimeFigureOut">
               <a:rPr lang="zh-CN" altLang="en-US" smtClean="0"/>
-              <a:t>2020/6/5</a:t>
+              <a:t>2020/6/10</a:t>
             </a:fld>
             <a:endParaRPr lang="zh-CN" altLang="en-US"/>
           </a:p>
@@ -2082,7 +2082,7 @@
           <a:p>
             <a:fld id="{E1E11D2C-92B7-4AF0-B472-C6565EBBC2B8}" type="datetimeFigureOut">
               <a:rPr lang="zh-CN" altLang="en-US" smtClean="0"/>
-              <a:t>2020/6/5</a:t>
+              <a:t>2020/6/10</a:t>
             </a:fld>
             <a:endParaRPr lang="zh-CN" altLang="en-US"/>
           </a:p>
@@ -2393,7 +2393,7 @@
           <a:p>
             <a:fld id="{E1E11D2C-92B7-4AF0-B472-C6565EBBC2B8}" type="datetimeFigureOut">
               <a:rPr lang="zh-CN" altLang="en-US" smtClean="0"/>
-              <a:t>2020/6/5</a:t>
+              <a:t>2020/6/10</a:t>
             </a:fld>
             <a:endParaRPr lang="zh-CN" altLang="en-US"/>
           </a:p>
@@ -2681,7 +2681,7 @@
           <a:p>
             <a:fld id="{E1E11D2C-92B7-4AF0-B472-C6565EBBC2B8}" type="datetimeFigureOut">
               <a:rPr lang="zh-CN" altLang="en-US" smtClean="0"/>
-              <a:t>2020/6/5</a:t>
+              <a:t>2020/6/10</a:t>
             </a:fld>
             <a:endParaRPr lang="zh-CN" altLang="en-US"/>
           </a:p>
@@ -2922,7 +2922,7 @@
           <a:p>
             <a:fld id="{E1E11D2C-92B7-4AF0-B472-C6565EBBC2B8}" type="datetimeFigureOut">
               <a:rPr lang="zh-CN" altLang="en-US" smtClean="0"/>
-              <a:t>2020/6/5</a:t>
+              <a:t>2020/6/10</a:t>
             </a:fld>
             <a:endParaRPr lang="zh-CN" altLang="en-US"/>
           </a:p>
@@ -3788,7 +3788,7 @@
         <p:spPr>
           <a:xfrm>
             <a:off x="1354878" y="1525619"/>
-            <a:ext cx="9286875" cy="646331"/>
+            <a:ext cx="9286875" cy="923330"/>
           </a:xfrm>
           <a:prstGeom prst="rect">
             <a:avLst/>
@@ -3832,6 +3832,34 @@
             <a:r>
               <a:rPr lang="en-US" altLang="zh-CN" dirty="0" err="1"/>
               <a:t>train_path</a:t>
+            </a:r>
+            <a:r>
+              <a:rPr lang="zh-CN" altLang="en-US" dirty="0"/>
+              <a:t>”、“</a:t>
+            </a:r>
+            <a:r>
+              <a:rPr lang="en-US" altLang="zh-CN" dirty="0" err="1"/>
+              <a:t>train_path</a:t>
+            </a:r>
+            <a:r>
+              <a:rPr lang="en-US" altLang="zh-CN" dirty="0"/>
+              <a:t> and blocking time</a:t>
+            </a:r>
+            <a:r>
+              <a:rPr lang="zh-CN" altLang="en-US" dirty="0"/>
+              <a:t>”、“</a:t>
+            </a:r>
+            <a:r>
+              <a:rPr lang="en-US" altLang="zh-CN" dirty="0" err="1"/>
+              <a:t>train_path</a:t>
+            </a:r>
+            <a:r>
+              <a:rPr lang="en-US" altLang="zh-CN" dirty="0"/>
+              <a:t> and blocking time and </a:t>
+            </a:r>
+            <a:r>
+              <a:rPr lang="en-US" altLang="zh-CN" dirty="0" err="1"/>
+              <a:t>train_conflicts</a:t>
             </a:r>
             <a:r>
               <a:rPr lang="zh-CN" altLang="en-US" dirty="0"/>
@@ -3872,10 +3900,10 @@
       </p:pic>
       <p:pic>
         <p:nvPicPr>
-          <p:cNvPr id="2" name="图片 1">
-            <a:extLst>
-              <a:ext uri="{FF2B5EF4-FFF2-40B4-BE49-F238E27FC236}">
-                <a16:creationId xmlns:a16="http://schemas.microsoft.com/office/drawing/2014/main" id="{8962D131-7A58-493B-A0F1-A74B3D3127D8}"/>
+          <p:cNvPr id="3" name="图片 2">
+            <a:extLst>
+              <a:ext uri="{FF2B5EF4-FFF2-40B4-BE49-F238E27FC236}">
+                <a16:creationId xmlns:a16="http://schemas.microsoft.com/office/drawing/2014/main" id="{3A44A67B-B016-4298-89E8-21D71FCB5153}"/>
               </a:ext>
             </a:extLst>
           </p:cNvPr>
@@ -3884,15 +3912,16 @@
           </p:cNvPicPr>
           <p:nvPr/>
         </p:nvPicPr>
-        <p:blipFill rotWithShape="1">
+        <p:blipFill>
           <a:blip r:embed="rId3"/>
-          <a:srcRect r="46765"/>
-          <a:stretch/>
+          <a:stretch>
+            <a:fillRect/>
+          </a:stretch>
         </p:blipFill>
         <p:spPr>
           <a:xfrm>
-            <a:off x="4840579" y="3513107"/>
-            <a:ext cx="5801174" cy="1819274"/>
+            <a:off x="5403982" y="3336721"/>
+            <a:ext cx="5705006" cy="1693168"/>
           </a:xfrm>
           <a:prstGeom prst="rect">
             <a:avLst/>
